--- a/CUEBIQ Turnover Analysis Presentation_Antonio_Castiglione.pptx
+++ b/CUEBIQ Turnover Analysis Presentation_Antonio_Castiglione.pptx
@@ -110,6 +110,11 @@
       </a:defRPr>
     </a:lvl9pPr>
   </p:defaultTextStyle>
+  <p:extLst>
+    <p:ext uri="{EFAFB233-063F-42B5-8137-9DF3F51BA10A}">
+      <p15:sldGuideLst xmlns:p15="http://schemas.microsoft.com/office/powerpoint/2012/main"/>
+    </p:ext>
+  </p:extLst>
 </p:presentation>
 </file>
 
@@ -244,7 +249,7 @@
           <a:p>
             <a:fld id="{F4819B78-7E5D-4E65-BD5E-1254D9A8F6E0}" type="datetimeFigureOut">
               <a:rPr lang="it-IT" smtClean="0"/>
-              <a:t>05/11/2019</a:t>
+              <a:t>11/11/2019</a:t>
             </a:fld>
             <a:endParaRPr lang="it-IT"/>
           </a:p>
@@ -414,7 +419,7 @@
           <a:p>
             <a:fld id="{F4819B78-7E5D-4E65-BD5E-1254D9A8F6E0}" type="datetimeFigureOut">
               <a:rPr lang="it-IT" smtClean="0"/>
-              <a:t>05/11/2019</a:t>
+              <a:t>11/11/2019</a:t>
             </a:fld>
             <a:endParaRPr lang="it-IT"/>
           </a:p>
@@ -594,7 +599,7 @@
           <a:p>
             <a:fld id="{F4819B78-7E5D-4E65-BD5E-1254D9A8F6E0}" type="datetimeFigureOut">
               <a:rPr lang="it-IT" smtClean="0"/>
-              <a:t>05/11/2019</a:t>
+              <a:t>11/11/2019</a:t>
             </a:fld>
             <a:endParaRPr lang="it-IT"/>
           </a:p>
@@ -764,7 +769,7 @@
           <a:p>
             <a:fld id="{F4819B78-7E5D-4E65-BD5E-1254D9A8F6E0}" type="datetimeFigureOut">
               <a:rPr lang="it-IT" smtClean="0"/>
-              <a:t>05/11/2019</a:t>
+              <a:t>11/11/2019</a:t>
             </a:fld>
             <a:endParaRPr lang="it-IT"/>
           </a:p>
@@ -1010,7 +1015,7 @@
           <a:p>
             <a:fld id="{F4819B78-7E5D-4E65-BD5E-1254D9A8F6E0}" type="datetimeFigureOut">
               <a:rPr lang="it-IT" smtClean="0"/>
-              <a:t>05/11/2019</a:t>
+              <a:t>11/11/2019</a:t>
             </a:fld>
             <a:endParaRPr lang="it-IT"/>
           </a:p>
@@ -1242,7 +1247,7 @@
           <a:p>
             <a:fld id="{F4819B78-7E5D-4E65-BD5E-1254D9A8F6E0}" type="datetimeFigureOut">
               <a:rPr lang="it-IT" smtClean="0"/>
-              <a:t>05/11/2019</a:t>
+              <a:t>11/11/2019</a:t>
             </a:fld>
             <a:endParaRPr lang="it-IT"/>
           </a:p>
@@ -1609,7 +1614,7 @@
           <a:p>
             <a:fld id="{F4819B78-7E5D-4E65-BD5E-1254D9A8F6E0}" type="datetimeFigureOut">
               <a:rPr lang="it-IT" smtClean="0"/>
-              <a:t>05/11/2019</a:t>
+              <a:t>11/11/2019</a:t>
             </a:fld>
             <a:endParaRPr lang="it-IT"/>
           </a:p>
@@ -1727,7 +1732,7 @@
           <a:p>
             <a:fld id="{F4819B78-7E5D-4E65-BD5E-1254D9A8F6E0}" type="datetimeFigureOut">
               <a:rPr lang="it-IT" smtClean="0"/>
-              <a:t>05/11/2019</a:t>
+              <a:t>11/11/2019</a:t>
             </a:fld>
             <a:endParaRPr lang="it-IT"/>
           </a:p>
@@ -1822,7 +1827,7 @@
           <a:p>
             <a:fld id="{F4819B78-7E5D-4E65-BD5E-1254D9A8F6E0}" type="datetimeFigureOut">
               <a:rPr lang="it-IT" smtClean="0"/>
-              <a:t>05/11/2019</a:t>
+              <a:t>11/11/2019</a:t>
             </a:fld>
             <a:endParaRPr lang="it-IT"/>
           </a:p>
@@ -2099,7 +2104,7 @@
           <a:p>
             <a:fld id="{F4819B78-7E5D-4E65-BD5E-1254D9A8F6E0}" type="datetimeFigureOut">
               <a:rPr lang="it-IT" smtClean="0"/>
-              <a:t>05/11/2019</a:t>
+              <a:t>11/11/2019</a:t>
             </a:fld>
             <a:endParaRPr lang="it-IT"/>
           </a:p>
@@ -2352,7 +2357,7 @@
           <a:p>
             <a:fld id="{F4819B78-7E5D-4E65-BD5E-1254D9A8F6E0}" type="datetimeFigureOut">
               <a:rPr lang="it-IT" smtClean="0"/>
-              <a:t>05/11/2019</a:t>
+              <a:t>11/11/2019</a:t>
             </a:fld>
             <a:endParaRPr lang="it-IT"/>
           </a:p>
@@ -2565,7 +2570,7 @@
           <a:p>
             <a:fld id="{F4819B78-7E5D-4E65-BD5E-1254D9A8F6E0}" type="datetimeFigureOut">
               <a:rPr lang="it-IT" smtClean="0"/>
-              <a:t>05/11/2019</a:t>
+              <a:t>11/11/2019</a:t>
             </a:fld>
             <a:endParaRPr lang="it-IT"/>
           </a:p>
@@ -3914,12 +3919,12 @@
               <a:buChar char="•"/>
             </a:pPr>
             <a:r>
-              <a:rPr lang="en-GB" b="1" dirty="0" err="1" smtClean="0">
-                <a:solidFill>
-                  <a:srgbClr val="0070C0"/>
-                </a:solidFill>
-              </a:rPr>
-              <a:t>Yanger</a:t>
+              <a:rPr lang="en-GB" b="1" dirty="0" smtClean="0">
+                <a:solidFill>
+                  <a:srgbClr val="0070C0"/>
+                </a:solidFill>
+              </a:rPr>
+              <a:t>Younger</a:t>
             </a:r>
             <a:r>
               <a:rPr lang="en-GB" dirty="0" smtClean="0">
@@ -3927,7 +3932,15 @@
                   <a:srgbClr val="0070C0"/>
                 </a:solidFill>
               </a:rPr>
-              <a:t> employees are not very assisted by their </a:t>
+              <a:t> </a:t>
+            </a:r>
+            <a:r>
+              <a:rPr lang="en-GB" dirty="0" smtClean="0">
+                <a:solidFill>
+                  <a:srgbClr val="0070C0"/>
+                </a:solidFill>
+              </a:rPr>
+              <a:t>employees are not very assisted by their </a:t>
             </a:r>
             <a:r>
               <a:rPr lang="en-GB" b="1" dirty="0" smtClean="0">
@@ -3944,20 +3957,20 @@
               <a:buChar char="•"/>
             </a:pPr>
             <a:r>
-              <a:rPr lang="en-GB" b="1" dirty="0" err="1" smtClean="0">
-                <a:solidFill>
-                  <a:srgbClr val="0070C0"/>
-                </a:solidFill>
-              </a:rPr>
-              <a:t>Engineeer</a:t>
-            </a:r>
-            <a:r>
               <a:rPr lang="en-GB" b="1" dirty="0" smtClean="0">
                 <a:solidFill>
                   <a:srgbClr val="0070C0"/>
                 </a:solidFill>
               </a:rPr>
-              <a:t> Department </a:t>
+              <a:t>Engineer </a:t>
+            </a:r>
+            <a:r>
+              <a:rPr lang="en-GB" b="1" dirty="0" smtClean="0">
+                <a:solidFill>
+                  <a:srgbClr val="0070C0"/>
+                </a:solidFill>
+              </a:rPr>
+              <a:t>Department </a:t>
             </a:r>
             <a:r>
               <a:rPr lang="en-GB" dirty="0" smtClean="0">
@@ -3975,7 +3988,15 @@
                   <a:srgbClr val="0070C0"/>
                 </a:solidFill>
               </a:rPr>
-              <a:t>     There is a correlation between this 2 observation</a:t>
+              <a:t>     There is a correlation between this 2 </a:t>
+            </a:r>
+            <a:r>
+              <a:rPr lang="en-GB" i="1" dirty="0" smtClean="0">
+                <a:solidFill>
+                  <a:srgbClr val="0070C0"/>
+                </a:solidFill>
+              </a:rPr>
+              <a:t>observations</a:t>
             </a:r>
             <a:endParaRPr lang="en-GB" i="1" dirty="0">
               <a:solidFill>
@@ -4314,7 +4335,23 @@
                   <a:srgbClr val="0070C0"/>
                 </a:solidFill>
               </a:rPr>
-              <a:t>have low probability to leave </a:t>
+              <a:t>have </a:t>
+            </a:r>
+            <a:r>
+              <a:rPr lang="en-GB" b="1" i="1" dirty="0" smtClean="0">
+                <a:solidFill>
+                  <a:srgbClr val="0070C0"/>
+                </a:solidFill>
+              </a:rPr>
+              <a:t>low</a:t>
+            </a:r>
+            <a:r>
+              <a:rPr lang="en-GB" i="1" dirty="0" smtClean="0">
+                <a:solidFill>
+                  <a:srgbClr val="0070C0"/>
+                </a:solidFill>
+              </a:rPr>
+              <a:t> probability to leave </a:t>
             </a:r>
             <a:r>
               <a:rPr lang="en-GB" i="1" dirty="0" err="1" smtClean="0">
@@ -4368,7 +4405,23 @@
                   <a:srgbClr val="0070C0"/>
                 </a:solidFill>
               </a:rPr>
-              <a:t>have medium probability to leave </a:t>
+              <a:t>have </a:t>
+            </a:r>
+            <a:r>
+              <a:rPr lang="en-GB" b="1" dirty="0" smtClean="0">
+                <a:solidFill>
+                  <a:srgbClr val="0070C0"/>
+                </a:solidFill>
+              </a:rPr>
+              <a:t>medium</a:t>
+            </a:r>
+            <a:r>
+              <a:rPr lang="en-GB" dirty="0" smtClean="0">
+                <a:solidFill>
+                  <a:srgbClr val="0070C0"/>
+                </a:solidFill>
+              </a:rPr>
+              <a:t> probability to leave </a:t>
             </a:r>
             <a:r>
               <a:rPr lang="en-GB" dirty="0" err="1" smtClean="0">
@@ -4414,7 +4467,31 @@
                   <a:srgbClr val="0070C0"/>
                 </a:solidFill>
               </a:rPr>
-              <a:t>have probability to leave </a:t>
+              <a:t>have </a:t>
+            </a:r>
+            <a:r>
+              <a:rPr lang="en-GB" b="1" dirty="0" smtClean="0">
+                <a:solidFill>
+                  <a:srgbClr val="0070C0"/>
+                </a:solidFill>
+              </a:rPr>
+              <a:t>high</a:t>
+            </a:r>
+            <a:r>
+              <a:rPr lang="en-GB" dirty="0" smtClean="0">
+                <a:solidFill>
+                  <a:srgbClr val="0070C0"/>
+                </a:solidFill>
+              </a:rPr>
+              <a:t> </a:t>
+            </a:r>
+            <a:r>
+              <a:rPr lang="en-GB" dirty="0" smtClean="0">
+                <a:solidFill>
+                  <a:srgbClr val="0070C0"/>
+                </a:solidFill>
+              </a:rPr>
+              <a:t>probability to leave </a:t>
             </a:r>
             <a:r>
               <a:rPr lang="en-GB" dirty="0" err="1" smtClean="0">
